--- a/doc/img/SystemArchitecture.pptx
+++ b/doc/img/SystemArchitecture.pptx
@@ -3543,7 +3543,14 @@
             <a:pPr algn="ctr"/>
             <a:r>
               <a:rPr lang="en-US" altLang="zh-CN" sz="1400" dirty="0"/>
-              <a:t>Heater/AC-Controller</a:t>
+              <a:t>Human to control</a:t>
+            </a:r>
+          </a:p>
+          <a:p>
+            <a:pPr algn="ctr"/>
+            <a:r>
+              <a:rPr lang="en-US" altLang="zh-CN" sz="1400" dirty="0"/>
+              <a:t>Heater/AC</a:t>
             </a:r>
             <a:endParaRPr lang="zh-CN" altLang="en-US" sz="1400" dirty="0"/>
           </a:p>

--- a/doc/img/SystemArchitecture.pptx
+++ b/doc/img/SystemArchitecture.pptx
@@ -3816,8 +3816,8 @@
         </p:nvSpPr>
         <p:spPr>
           <a:xfrm>
-            <a:off x="3504697" y="2371726"/>
-            <a:ext cx="990600" cy="369332"/>
+            <a:off x="3401175" y="2365375"/>
+            <a:ext cx="1184862" cy="369332"/>
           </a:xfrm>
           <a:prstGeom prst="rect">
             <a:avLst/>
@@ -3833,7 +3833,7 @@
             <a:pPr algn="ctr"/>
             <a:r>
               <a:rPr lang="en-US" altLang="zh-CN" dirty="0"/>
-              <a:t>IoT Hub</a:t>
+              <a:t>Gateway</a:t>
             </a:r>
             <a:endParaRPr lang="zh-CN" altLang="en-US" dirty="0"/>
           </a:p>
@@ -4553,8 +4553,8 @@
         </p:nvSpPr>
         <p:spPr>
           <a:xfrm>
-            <a:off x="3455778" y="4888739"/>
-            <a:ext cx="990600" cy="369332"/>
+            <a:off x="3455779" y="4879214"/>
+            <a:ext cx="1089205" cy="369332"/>
           </a:xfrm>
           <a:prstGeom prst="rect">
             <a:avLst/>
@@ -4570,7 +4570,7 @@
             <a:pPr algn="ctr"/>
             <a:r>
               <a:rPr lang="en-US" altLang="zh-CN" dirty="0"/>
-              <a:t>IoT Hub</a:t>
+              <a:t>Gateway</a:t>
             </a:r>
             <a:endParaRPr lang="zh-CN" altLang="en-US" dirty="0"/>
           </a:p>
